--- a/pres-bigdata/Course-2022-Spark/BigData-Spark-TD2.pptx
+++ b/pres-bigdata/Course-2022-Spark/BigData-Spark-TD2.pptx
@@ -327,7 +327,7 @@
           <a:p>
             <a:fld id="{F68A345C-DDF1-46AA-AE20-BB9626A0470D}" type="datetimeFigureOut">
               <a:rPr lang="fr-FR" smtClean="0"/>
-              <a:t>21/11/2022</a:t>
+              <a:t>23/11/2022</a:t>
             </a:fld>
             <a:endParaRPr lang="fr-FR"/>
           </a:p>
@@ -527,7 +527,7 @@
           <a:p>
             <a:fld id="{F68A345C-DDF1-46AA-AE20-BB9626A0470D}" type="datetimeFigureOut">
               <a:rPr lang="fr-FR" smtClean="0"/>
-              <a:t>21/11/2022</a:t>
+              <a:t>23/11/2022</a:t>
             </a:fld>
             <a:endParaRPr lang="fr-FR"/>
           </a:p>
@@ -737,7 +737,7 @@
           <a:p>
             <a:fld id="{F68A345C-DDF1-46AA-AE20-BB9626A0470D}" type="datetimeFigureOut">
               <a:rPr lang="fr-FR" smtClean="0"/>
-              <a:t>21/11/2022</a:t>
+              <a:t>23/11/2022</a:t>
             </a:fld>
             <a:endParaRPr lang="fr-FR"/>
           </a:p>
@@ -937,7 +937,7 @@
           <a:p>
             <a:fld id="{F68A345C-DDF1-46AA-AE20-BB9626A0470D}" type="datetimeFigureOut">
               <a:rPr lang="fr-FR" smtClean="0"/>
-              <a:t>21/11/2022</a:t>
+              <a:t>23/11/2022</a:t>
             </a:fld>
             <a:endParaRPr lang="fr-FR"/>
           </a:p>
@@ -1213,7 +1213,7 @@
           <a:p>
             <a:fld id="{F68A345C-DDF1-46AA-AE20-BB9626A0470D}" type="datetimeFigureOut">
               <a:rPr lang="fr-FR" smtClean="0"/>
-              <a:t>21/11/2022</a:t>
+              <a:t>23/11/2022</a:t>
             </a:fld>
             <a:endParaRPr lang="fr-FR"/>
           </a:p>
@@ -1481,7 +1481,7 @@
           <a:p>
             <a:fld id="{F68A345C-DDF1-46AA-AE20-BB9626A0470D}" type="datetimeFigureOut">
               <a:rPr lang="fr-FR" smtClean="0"/>
-              <a:t>21/11/2022</a:t>
+              <a:t>23/11/2022</a:t>
             </a:fld>
             <a:endParaRPr lang="fr-FR"/>
           </a:p>
@@ -1896,7 +1896,7 @@
           <a:p>
             <a:fld id="{F68A345C-DDF1-46AA-AE20-BB9626A0470D}" type="datetimeFigureOut">
               <a:rPr lang="fr-FR" smtClean="0"/>
-              <a:t>21/11/2022</a:t>
+              <a:t>23/11/2022</a:t>
             </a:fld>
             <a:endParaRPr lang="fr-FR"/>
           </a:p>
@@ -2038,7 +2038,7 @@
           <a:p>
             <a:fld id="{F68A345C-DDF1-46AA-AE20-BB9626A0470D}" type="datetimeFigureOut">
               <a:rPr lang="fr-FR" smtClean="0"/>
-              <a:t>21/11/2022</a:t>
+              <a:t>23/11/2022</a:t>
             </a:fld>
             <a:endParaRPr lang="fr-FR"/>
           </a:p>
@@ -2151,7 +2151,7 @@
           <a:p>
             <a:fld id="{F68A345C-DDF1-46AA-AE20-BB9626A0470D}" type="datetimeFigureOut">
               <a:rPr lang="fr-FR" smtClean="0"/>
-              <a:t>21/11/2022</a:t>
+              <a:t>23/11/2022</a:t>
             </a:fld>
             <a:endParaRPr lang="fr-FR"/>
           </a:p>
@@ -2464,7 +2464,7 @@
           <a:p>
             <a:fld id="{F68A345C-DDF1-46AA-AE20-BB9626A0470D}" type="datetimeFigureOut">
               <a:rPr lang="fr-FR" smtClean="0"/>
-              <a:t>21/11/2022</a:t>
+              <a:t>23/11/2022</a:t>
             </a:fld>
             <a:endParaRPr lang="fr-FR"/>
           </a:p>
@@ -2753,7 +2753,7 @@
           <a:p>
             <a:fld id="{F68A345C-DDF1-46AA-AE20-BB9626A0470D}" type="datetimeFigureOut">
               <a:rPr lang="fr-FR" smtClean="0"/>
-              <a:t>21/11/2022</a:t>
+              <a:t>23/11/2022</a:t>
             </a:fld>
             <a:endParaRPr lang="fr-FR"/>
           </a:p>
@@ -2996,7 +2996,7 @@
           <a:p>
             <a:fld id="{F68A345C-DDF1-46AA-AE20-BB9626A0470D}" type="datetimeFigureOut">
               <a:rPr lang="fr-FR" smtClean="0"/>
-              <a:t>21/11/2022</a:t>
+              <a:t>23/11/2022</a:t>
             </a:fld>
             <a:endParaRPr lang="fr-FR"/>
           </a:p>
@@ -4800,7 +4800,7 @@
             </a:r>
             <a:r>
               <a:rPr lang="fr-FR" dirty="0"/>
-              <a:t> 3: use .option(« </a:t>
+              <a:t> 3: use .</a:t>
             </a:r>
             <a:r>
               <a:rPr lang="fr-FR" dirty="0" err="1"/>
@@ -4808,7 +4808,7 @@
             </a:r>
             <a:r>
               <a:rPr lang="fr-FR" dirty="0"/>
-              <a:t> », ..)</a:t>
+              <a:t>(« col1 type1, ..»)</a:t>
             </a:r>
           </a:p>
         </p:txBody>
@@ -4828,7 +4828,7 @@
         <p:spPr>
           <a:xfrm>
             <a:off x="2183477" y="2743199"/>
-            <a:ext cx="9379042" cy="1938992"/>
+            <a:ext cx="9063763" cy="1938992"/>
           </a:xfrm>
           <a:prstGeom prst="rect">
             <a:avLst/>
@@ -4866,7 +4866,7 @@
             </a:r>
             <a:r>
               <a:rPr lang="fr-FR" sz="2400" b="1" dirty="0"/>
-              <a:t>.option(« </a:t>
+              <a:t>.</a:t>
             </a:r>
             <a:r>
               <a:rPr lang="fr-FR" sz="2400" b="1" dirty="0" err="1"/>
@@ -4874,11 +4874,11 @@
             </a:r>
             <a:r>
               <a:rPr lang="fr-FR" sz="2400" b="1" dirty="0"/>
-              <a:t> »</a:t>
-            </a:r>
-            <a:r>
-              <a:rPr lang="fr-FR" sz="2400" dirty="0"/>
-              <a:t>, «  name1 type1, name2 type2….. »</a:t>
+              <a:t>( </a:t>
+            </a:r>
+            <a:r>
+              <a:rPr lang="fr-FR" sz="2400" dirty="0"/>
+              <a:t>«  name1 type1, name2 type2….. »</a:t>
             </a:r>
             <a:r>
               <a:rPr lang="fr-FR" sz="2400" b="1" dirty="0"/>
